--- a/ppt.pptx
+++ b/ppt.pptx
@@ -217,7 +217,7 @@
           <a:p>
             <a:fld id="{DD7576C7-1BCF-4A2C-AD03-CDCB4495CC2F}" type="datetimeFigureOut">
               <a:rPr lang="zh-TW" altLang="en-US" smtClean="0"/>
-              <a:t>2017/10/21</a:t>
+              <a:t>2017/10/22</a:t>
             </a:fld>
             <a:endParaRPr lang="zh-TW" altLang="en-US"/>
           </a:p>
@@ -1762,7 +1762,7 @@
           <a:p>
             <a:fld id="{63937D59-5EDB-4C39-B697-625748F703B6}" type="datetimeFigureOut">
               <a:rPr lang="en-US" smtClean="0"/>
-              <a:t>10/21/2017</a:t>
+              <a:t>10/22/2017</a:t>
             </a:fld>
             <a:endParaRPr lang="en-US"/>
           </a:p>
@@ -2039,7 +2039,7 @@
           <a:p>
             <a:fld id="{63937D59-5EDB-4C39-B697-625748F703B6}" type="datetimeFigureOut">
               <a:rPr lang="en-US" smtClean="0"/>
-              <a:t>10/21/2017</a:t>
+              <a:t>10/22/2017</a:t>
             </a:fld>
             <a:endParaRPr lang="en-US"/>
           </a:p>
@@ -2292,7 +2292,7 @@
           <a:p>
             <a:fld id="{63937D59-5EDB-4C39-B697-625748F703B6}" type="datetimeFigureOut">
               <a:rPr lang="en-US" smtClean="0"/>
-              <a:t>10/21/2017</a:t>
+              <a:t>10/22/2017</a:t>
             </a:fld>
             <a:endParaRPr lang="en-US"/>
           </a:p>
@@ -2462,7 +2462,7 @@
           <a:p>
             <a:fld id="{63937D59-5EDB-4C39-B697-625748F703B6}" type="datetimeFigureOut">
               <a:rPr lang="en-US" smtClean="0"/>
-              <a:t>10/21/2017</a:t>
+              <a:t>10/22/2017</a:t>
             </a:fld>
             <a:endParaRPr lang="en-US"/>
           </a:p>
@@ -2642,7 +2642,7 @@
           <a:p>
             <a:fld id="{63937D59-5EDB-4C39-B697-625748F703B6}" type="datetimeFigureOut">
               <a:rPr lang="en-US" smtClean="0"/>
-              <a:t>10/21/2017</a:t>
+              <a:t>10/22/2017</a:t>
             </a:fld>
             <a:endParaRPr lang="en-US"/>
           </a:p>
@@ -3228,7 +3228,7 @@
           <a:p>
             <a:fld id="{63937D59-5EDB-4C39-B697-625748F703B6}" type="datetimeFigureOut">
               <a:rPr lang="en-US" smtClean="0"/>
-              <a:t>10/21/2017</a:t>
+              <a:t>10/22/2017</a:t>
             </a:fld>
             <a:endParaRPr lang="en-US"/>
           </a:p>
@@ -3398,7 +3398,7 @@
           <a:p>
             <a:fld id="{63937D59-5EDB-4C39-B697-625748F703B6}" type="datetimeFigureOut">
               <a:rPr lang="en-US" smtClean="0"/>
-              <a:t>10/21/2017</a:t>
+              <a:t>10/22/2017</a:t>
             </a:fld>
             <a:endParaRPr lang="en-US"/>
           </a:p>
@@ -3644,7 +3644,7 @@
           <a:p>
             <a:fld id="{63937D59-5EDB-4C39-B697-625748F703B6}" type="datetimeFigureOut">
               <a:rPr lang="en-US" smtClean="0"/>
-              <a:t>10/21/2017</a:t>
+              <a:t>10/22/2017</a:t>
             </a:fld>
             <a:endParaRPr lang="en-US"/>
           </a:p>
@@ -3932,7 +3932,7 @@
           <a:p>
             <a:fld id="{63937D59-5EDB-4C39-B697-625748F703B6}" type="datetimeFigureOut">
               <a:rPr lang="en-US" smtClean="0"/>
-              <a:t>10/21/2017</a:t>
+              <a:t>10/22/2017</a:t>
             </a:fld>
             <a:endParaRPr lang="en-US"/>
           </a:p>
@@ -4354,7 +4354,7 @@
           <a:p>
             <a:fld id="{63937D59-5EDB-4C39-B697-625748F703B6}" type="datetimeFigureOut">
               <a:rPr lang="en-US" smtClean="0"/>
-              <a:t>10/21/2017</a:t>
+              <a:t>10/22/2017</a:t>
             </a:fld>
             <a:endParaRPr lang="en-US"/>
           </a:p>
@@ -4472,7 +4472,7 @@
           <a:p>
             <a:fld id="{63937D59-5EDB-4C39-B697-625748F703B6}" type="datetimeFigureOut">
               <a:rPr lang="en-US" smtClean="0"/>
-              <a:t>10/21/2017</a:t>
+              <a:t>10/22/2017</a:t>
             </a:fld>
             <a:endParaRPr lang="en-US"/>
           </a:p>
@@ -4976,7 +4976,7 @@
           <a:p>
             <a:fld id="{63937D59-5EDB-4C39-B697-625748F703B6}" type="datetimeFigureOut">
               <a:rPr lang="en-US" smtClean="0"/>
-              <a:t>10/21/2017</a:t>
+              <a:t>10/22/2017</a:t>
             </a:fld>
             <a:endParaRPr lang="en-US"/>
           </a:p>
@@ -5551,11 +5551,6 @@
               </a:rPr>
               <a:t>Prediction</a:t>
             </a:r>
-            <a:endParaRPr lang="en-US" altLang="zh-TW" sz="2800" b="1" dirty="0">
-              <a:solidFill>
-                <a:srgbClr val="FF0000"/>
-              </a:solidFill>
-            </a:endParaRPr>
           </a:p>
         </p:txBody>
       </p:sp>
@@ -6116,485 +6111,816 @@
           </a:p>
         </p:txBody>
       </p:sp>
-      <p:grpSp>
-        <p:nvGrpSpPr>
-          <p:cNvPr id="25" name="群組 24"/>
-          <p:cNvGrpSpPr/>
+      <p:sp>
+        <p:nvSpPr>
+          <p:cNvPr id="5" name="矩形 4"/>
+          <p:cNvSpPr/>
           <p:nvPr/>
-        </p:nvGrpSpPr>
-        <p:grpSpPr>
+        </p:nvSpPr>
+        <p:spPr>
           <a:xfrm>
-            <a:off x="4468073" y="404670"/>
-            <a:ext cx="1688103" cy="4334161"/>
-            <a:chOff x="4468073" y="195486"/>
-            <a:chExt cx="1688103" cy="4334161"/>
+            <a:off x="3759869" y="339502"/>
+            <a:ext cx="1120423" cy="576064"/>
           </a:xfrm>
-        </p:grpSpPr>
-        <p:sp>
-          <p:nvSpPr>
-            <p:cNvPr id="5" name="矩形 4"/>
-            <p:cNvSpPr/>
-            <p:nvPr/>
-          </p:nvSpPr>
-          <p:spPr>
-            <a:xfrm>
-              <a:off x="4736062" y="195486"/>
-              <a:ext cx="1120423" cy="576064"/>
-            </a:xfrm>
-            <a:prstGeom prst="rect">
-              <a:avLst/>
-            </a:prstGeom>
+          <a:prstGeom prst="rect">
+            <a:avLst/>
+          </a:prstGeom>
+          <a:solidFill>
+            <a:schemeClr val="bg1"/>
+          </a:solidFill>
+          <a:ln>
             <a:solidFill>
-              <a:schemeClr val="bg1"/>
+              <a:schemeClr val="tx1"/>
             </a:solidFill>
-            <a:ln>
-              <a:solidFill>
-                <a:schemeClr val="tx1"/>
-              </a:solidFill>
-            </a:ln>
-          </p:spPr>
-          <p:style>
-            <a:lnRef idx="2">
-              <a:schemeClr val="accent1">
-                <a:shade val="50000"/>
-              </a:schemeClr>
-            </a:lnRef>
-            <a:fillRef idx="1">
-              <a:schemeClr val="accent1"/>
-            </a:fillRef>
-            <a:effectRef idx="0">
-              <a:schemeClr val="accent1"/>
-            </a:effectRef>
-            <a:fontRef idx="minor">
-              <a:schemeClr val="lt1"/>
-            </a:fontRef>
-          </p:style>
-          <p:txBody>
-            <a:bodyPr rtlCol="0" anchor="ctr"/>
-            <a:lstStyle/>
-            <a:p>
-              <a:pPr algn="ctr"/>
-              <a:r>
-                <a:rPr lang="zh-TW" altLang="en-US" dirty="0" smtClean="0">
-                  <a:solidFill>
-                    <a:schemeClr val="tx1"/>
-                  </a:solidFill>
-                  <a:latin typeface="標楷體" panose="03000509000000000000" pitchFamily="65" charset="-120"/>
-                  <a:ea typeface="標楷體" panose="03000509000000000000" pitchFamily="65" charset="-120"/>
-                </a:rPr>
-                <a:t>資料讀取</a:t>
-              </a:r>
-              <a:endParaRPr lang="zh-TW" altLang="en-US" dirty="0">
+          </a:ln>
+        </p:spPr>
+        <p:style>
+          <a:lnRef idx="2">
+            <a:schemeClr val="accent1">
+              <a:shade val="50000"/>
+            </a:schemeClr>
+          </a:lnRef>
+          <a:fillRef idx="1">
+            <a:schemeClr val="accent1"/>
+          </a:fillRef>
+          <a:effectRef idx="0">
+            <a:schemeClr val="accent1"/>
+          </a:effectRef>
+          <a:fontRef idx="minor">
+            <a:schemeClr val="lt1"/>
+          </a:fontRef>
+        </p:style>
+        <p:txBody>
+          <a:bodyPr rtlCol="0" anchor="ctr"/>
+          <a:lstStyle/>
+          <a:p>
+            <a:pPr algn="ctr"/>
+            <a:r>
+              <a:rPr lang="zh-TW" altLang="en-US" dirty="0" smtClean="0">
                 <a:solidFill>
                   <a:schemeClr val="tx1"/>
                 </a:solidFill>
                 <a:latin typeface="標楷體" panose="03000509000000000000" pitchFamily="65" charset="-120"/>
                 <a:ea typeface="標楷體" panose="03000509000000000000" pitchFamily="65" charset="-120"/>
-              </a:endParaRPr>
-            </a:p>
-          </p:txBody>
-        </p:sp>
-        <p:sp>
-          <p:nvSpPr>
-            <p:cNvPr id="7" name="矩形 6"/>
-            <p:cNvSpPr/>
-            <p:nvPr/>
-          </p:nvSpPr>
-          <p:spPr>
-            <a:xfrm>
-              <a:off x="4628050" y="1097665"/>
-              <a:ext cx="1368152" cy="575385"/>
-            </a:xfrm>
-            <a:prstGeom prst="rect">
-              <a:avLst/>
-            </a:prstGeom>
-            <a:solidFill>
-              <a:schemeClr val="bg1"/>
-            </a:solidFill>
-            <a:ln>
+              </a:rPr>
+              <a:t>資料讀取</a:t>
+            </a:r>
+            <a:endParaRPr lang="zh-TW" altLang="en-US" dirty="0">
               <a:solidFill>
                 <a:schemeClr val="tx1"/>
               </a:solidFill>
-            </a:ln>
-          </p:spPr>
-          <p:style>
-            <a:lnRef idx="2">
-              <a:schemeClr val="accent1">
-                <a:shade val="50000"/>
-              </a:schemeClr>
-            </a:lnRef>
-            <a:fillRef idx="1">
-              <a:schemeClr val="accent1"/>
-            </a:fillRef>
-            <a:effectRef idx="0">
-              <a:schemeClr val="accent1"/>
-            </a:effectRef>
-            <a:fontRef idx="minor">
-              <a:schemeClr val="lt1"/>
-            </a:fontRef>
-          </p:style>
-          <p:txBody>
-            <a:bodyPr rtlCol="0" anchor="ctr"/>
-            <a:lstStyle/>
-            <a:p>
-              <a:pPr algn="ctr"/>
-              <a:r>
-                <a:rPr lang="zh-TW" altLang="en-US" dirty="0" smtClean="0">
-                  <a:solidFill>
-                    <a:schemeClr val="tx1"/>
-                  </a:solidFill>
-                  <a:latin typeface="標楷體" panose="03000509000000000000" pitchFamily="65" charset="-120"/>
-                  <a:ea typeface="標楷體" panose="03000509000000000000" pitchFamily="65" charset="-120"/>
-                </a:rPr>
-                <a:t>資料正規化</a:t>
-              </a:r>
-              <a:endParaRPr lang="en-US" altLang="zh-TW" dirty="0" smtClean="0">
+              <a:latin typeface="標楷體" panose="03000509000000000000" pitchFamily="65" charset="-120"/>
+              <a:ea typeface="標楷體" panose="03000509000000000000" pitchFamily="65" charset="-120"/>
+            </a:endParaRPr>
+          </a:p>
+        </p:txBody>
+      </p:sp>
+      <p:sp>
+        <p:nvSpPr>
+          <p:cNvPr id="7" name="矩形 6"/>
+          <p:cNvSpPr/>
+          <p:nvPr/>
+        </p:nvSpPr>
+        <p:spPr>
+          <a:xfrm>
+            <a:off x="3651857" y="1241681"/>
+            <a:ext cx="1368152" cy="575385"/>
+          </a:xfrm>
+          <a:prstGeom prst="rect">
+            <a:avLst/>
+          </a:prstGeom>
+          <a:solidFill>
+            <a:schemeClr val="bg1"/>
+          </a:solidFill>
+          <a:ln>
+            <a:solidFill>
+              <a:schemeClr val="tx1"/>
+            </a:solidFill>
+          </a:ln>
+        </p:spPr>
+        <p:style>
+          <a:lnRef idx="2">
+            <a:schemeClr val="accent1">
+              <a:shade val="50000"/>
+            </a:schemeClr>
+          </a:lnRef>
+          <a:fillRef idx="1">
+            <a:schemeClr val="accent1"/>
+          </a:fillRef>
+          <a:effectRef idx="0">
+            <a:schemeClr val="accent1"/>
+          </a:effectRef>
+          <a:fontRef idx="minor">
+            <a:schemeClr val="lt1"/>
+          </a:fontRef>
+        </p:style>
+        <p:txBody>
+          <a:bodyPr rtlCol="0" anchor="ctr"/>
+          <a:lstStyle/>
+          <a:p>
+            <a:pPr algn="ctr"/>
+            <a:r>
+              <a:rPr lang="zh-TW" altLang="en-US" dirty="0" smtClean="0">
                 <a:solidFill>
                   <a:schemeClr val="tx1"/>
                 </a:solidFill>
                 <a:latin typeface="標楷體" panose="03000509000000000000" pitchFamily="65" charset="-120"/>
                 <a:ea typeface="標楷體" panose="03000509000000000000" pitchFamily="65" charset="-120"/>
-              </a:endParaRPr>
-            </a:p>
-          </p:txBody>
-        </p:sp>
-        <p:sp>
-          <p:nvSpPr>
-            <p:cNvPr id="8" name="矩形 7"/>
-            <p:cNvSpPr/>
-            <p:nvPr/>
-          </p:nvSpPr>
-          <p:spPr>
-            <a:xfrm>
-              <a:off x="4504078" y="2010072"/>
-              <a:ext cx="1616095" cy="576064"/>
-            </a:xfrm>
-            <a:prstGeom prst="rect">
-              <a:avLst/>
-            </a:prstGeom>
-            <a:solidFill>
-              <a:schemeClr val="bg1"/>
-            </a:solidFill>
-            <a:ln>
+              </a:rPr>
+              <a:t>資料正規化</a:t>
+            </a:r>
+            <a:endParaRPr lang="en-US" altLang="zh-TW" dirty="0" smtClean="0">
               <a:solidFill>
                 <a:schemeClr val="tx1"/>
               </a:solidFill>
-            </a:ln>
-          </p:spPr>
-          <p:style>
-            <a:lnRef idx="2">
-              <a:schemeClr val="accent1">
-                <a:shade val="50000"/>
-              </a:schemeClr>
-            </a:lnRef>
-            <a:fillRef idx="1">
-              <a:schemeClr val="accent1"/>
-            </a:fillRef>
-            <a:effectRef idx="0">
-              <a:schemeClr val="accent1"/>
-            </a:effectRef>
-            <a:fontRef idx="minor">
-              <a:schemeClr val="lt1"/>
-            </a:fontRef>
-          </p:style>
-          <p:txBody>
-            <a:bodyPr rtlCol="0" anchor="ctr"/>
-            <a:lstStyle/>
-            <a:p>
-              <a:pPr algn="ctr"/>
-              <a:r>
-                <a:rPr lang="zh-TW" altLang="en-US" dirty="0" smtClean="0">
-                  <a:solidFill>
-                    <a:schemeClr val="tx1"/>
-                  </a:solidFill>
-                  <a:latin typeface="標楷體" panose="03000509000000000000" pitchFamily="65" charset="-120"/>
-                  <a:ea typeface="標楷體" panose="03000509000000000000" pitchFamily="65" charset="-120"/>
-                </a:rPr>
-                <a:t>建立網路模型</a:t>
-              </a:r>
-              <a:endParaRPr lang="zh-TW" altLang="en-US" dirty="0">
+              <a:latin typeface="標楷體" panose="03000509000000000000" pitchFamily="65" charset="-120"/>
+              <a:ea typeface="標楷體" panose="03000509000000000000" pitchFamily="65" charset="-120"/>
+            </a:endParaRPr>
+          </a:p>
+        </p:txBody>
+      </p:sp>
+      <p:sp>
+        <p:nvSpPr>
+          <p:cNvPr id="8" name="矩形 7"/>
+          <p:cNvSpPr/>
+          <p:nvPr/>
+        </p:nvSpPr>
+        <p:spPr>
+          <a:xfrm>
+            <a:off x="3527885" y="2154088"/>
+            <a:ext cx="1616095" cy="576064"/>
+          </a:xfrm>
+          <a:prstGeom prst="rect">
+            <a:avLst/>
+          </a:prstGeom>
+          <a:solidFill>
+            <a:schemeClr val="bg1"/>
+          </a:solidFill>
+          <a:ln>
+            <a:solidFill>
+              <a:schemeClr val="tx1"/>
+            </a:solidFill>
+          </a:ln>
+        </p:spPr>
+        <p:style>
+          <a:lnRef idx="2">
+            <a:schemeClr val="accent1">
+              <a:shade val="50000"/>
+            </a:schemeClr>
+          </a:lnRef>
+          <a:fillRef idx="1">
+            <a:schemeClr val="accent1"/>
+          </a:fillRef>
+          <a:effectRef idx="0">
+            <a:schemeClr val="accent1"/>
+          </a:effectRef>
+          <a:fontRef idx="minor">
+            <a:schemeClr val="lt1"/>
+          </a:fontRef>
+        </p:style>
+        <p:txBody>
+          <a:bodyPr rtlCol="0" anchor="ctr"/>
+          <a:lstStyle/>
+          <a:p>
+            <a:pPr algn="ctr"/>
+            <a:r>
+              <a:rPr lang="zh-TW" altLang="en-US" dirty="0" smtClean="0">
                 <a:solidFill>
                   <a:schemeClr val="tx1"/>
                 </a:solidFill>
                 <a:latin typeface="標楷體" panose="03000509000000000000" pitchFamily="65" charset="-120"/>
                 <a:ea typeface="標楷體" panose="03000509000000000000" pitchFamily="65" charset="-120"/>
-              </a:endParaRPr>
-            </a:p>
-          </p:txBody>
-        </p:sp>
-        <p:sp>
-          <p:nvSpPr>
-            <p:cNvPr id="9" name="矩形 8"/>
-            <p:cNvSpPr/>
-            <p:nvPr/>
-          </p:nvSpPr>
-          <p:spPr>
-            <a:xfrm>
-              <a:off x="4496205" y="2965957"/>
-              <a:ext cx="1600136" cy="576064"/>
-            </a:xfrm>
-            <a:prstGeom prst="rect">
-              <a:avLst/>
-            </a:prstGeom>
-            <a:solidFill>
-              <a:schemeClr val="bg1"/>
-            </a:solidFill>
-            <a:ln>
+              </a:rPr>
+              <a:t>建立網路模型</a:t>
+            </a:r>
+            <a:endParaRPr lang="zh-TW" altLang="en-US" dirty="0">
               <a:solidFill>
                 <a:schemeClr val="tx1"/>
               </a:solidFill>
-            </a:ln>
-          </p:spPr>
-          <p:style>
-            <a:lnRef idx="2">
-              <a:schemeClr val="accent1">
-                <a:shade val="50000"/>
-              </a:schemeClr>
-            </a:lnRef>
-            <a:fillRef idx="1">
-              <a:schemeClr val="accent1"/>
-            </a:fillRef>
-            <a:effectRef idx="0">
-              <a:schemeClr val="accent1"/>
-            </a:effectRef>
-            <a:fontRef idx="minor">
-              <a:schemeClr val="lt1"/>
-            </a:fontRef>
-          </p:style>
-          <p:txBody>
-            <a:bodyPr rtlCol="0" anchor="ctr"/>
-            <a:lstStyle/>
-            <a:p>
-              <a:pPr algn="ctr"/>
-              <a:r>
-                <a:rPr lang="zh-TW" altLang="en-US" smtClean="0">
-                  <a:solidFill>
-                    <a:schemeClr val="tx1"/>
-                  </a:solidFill>
-                  <a:latin typeface="標楷體" panose="03000509000000000000" pitchFamily="65" charset="-120"/>
-                  <a:ea typeface="標楷體" panose="03000509000000000000" pitchFamily="65" charset="-120"/>
-                </a:rPr>
-                <a:t>訓練網路模型</a:t>
-              </a:r>
-              <a:endParaRPr lang="zh-TW" altLang="en-US" dirty="0">
+              <a:latin typeface="標楷體" panose="03000509000000000000" pitchFamily="65" charset="-120"/>
+              <a:ea typeface="標楷體" panose="03000509000000000000" pitchFamily="65" charset="-120"/>
+            </a:endParaRPr>
+          </a:p>
+        </p:txBody>
+      </p:sp>
+      <p:sp>
+        <p:nvSpPr>
+          <p:cNvPr id="9" name="矩形 8"/>
+          <p:cNvSpPr/>
+          <p:nvPr/>
+        </p:nvSpPr>
+        <p:spPr>
+          <a:xfrm>
+            <a:off x="3520012" y="3109973"/>
+            <a:ext cx="1600136" cy="576064"/>
+          </a:xfrm>
+          <a:prstGeom prst="rect">
+            <a:avLst/>
+          </a:prstGeom>
+          <a:solidFill>
+            <a:schemeClr val="bg1"/>
+          </a:solidFill>
+          <a:ln>
+            <a:solidFill>
+              <a:schemeClr val="tx1"/>
+            </a:solidFill>
+          </a:ln>
+        </p:spPr>
+        <p:style>
+          <a:lnRef idx="2">
+            <a:schemeClr val="accent1">
+              <a:shade val="50000"/>
+            </a:schemeClr>
+          </a:lnRef>
+          <a:fillRef idx="1">
+            <a:schemeClr val="accent1"/>
+          </a:fillRef>
+          <a:effectRef idx="0">
+            <a:schemeClr val="accent1"/>
+          </a:effectRef>
+          <a:fontRef idx="minor">
+            <a:schemeClr val="lt1"/>
+          </a:fontRef>
+        </p:style>
+        <p:txBody>
+          <a:bodyPr rtlCol="0" anchor="ctr"/>
+          <a:lstStyle/>
+          <a:p>
+            <a:pPr algn="ctr"/>
+            <a:r>
+              <a:rPr lang="zh-TW" altLang="en-US" smtClean="0">
                 <a:solidFill>
                   <a:schemeClr val="tx1"/>
                 </a:solidFill>
                 <a:latin typeface="標楷體" panose="03000509000000000000" pitchFamily="65" charset="-120"/>
                 <a:ea typeface="標楷體" panose="03000509000000000000" pitchFamily="65" charset="-120"/>
-              </a:endParaRPr>
-            </a:p>
-          </p:txBody>
-        </p:sp>
-        <p:sp>
-          <p:nvSpPr>
-            <p:cNvPr id="10" name="矩形 9"/>
-            <p:cNvSpPr/>
-            <p:nvPr/>
-          </p:nvSpPr>
-          <p:spPr>
-            <a:xfrm>
-              <a:off x="4468073" y="3953583"/>
-              <a:ext cx="1688103" cy="576064"/>
-            </a:xfrm>
-            <a:prstGeom prst="rect">
-              <a:avLst/>
-            </a:prstGeom>
-            <a:solidFill>
-              <a:schemeClr val="bg1"/>
-            </a:solidFill>
-            <a:ln>
+              </a:rPr>
+              <a:t>訓練網路模型</a:t>
+            </a:r>
+            <a:endParaRPr lang="zh-TW" altLang="en-US" dirty="0">
               <a:solidFill>
                 <a:schemeClr val="tx1"/>
               </a:solidFill>
-            </a:ln>
-          </p:spPr>
-          <p:style>
-            <a:lnRef idx="2">
-              <a:schemeClr val="accent1">
-                <a:shade val="50000"/>
-              </a:schemeClr>
-            </a:lnRef>
-            <a:fillRef idx="1">
-              <a:schemeClr val="accent1"/>
-            </a:fillRef>
-            <a:effectRef idx="0">
-              <a:schemeClr val="accent1"/>
-            </a:effectRef>
-            <a:fontRef idx="minor">
-              <a:schemeClr val="lt1"/>
-            </a:fontRef>
-          </p:style>
-          <p:txBody>
-            <a:bodyPr rtlCol="0" anchor="ctr"/>
-            <a:lstStyle/>
-            <a:p>
-              <a:pPr algn="ctr"/>
-              <a:r>
-                <a:rPr lang="zh-TW" altLang="en-US" dirty="0" smtClean="0">
-                  <a:solidFill>
-                    <a:schemeClr val="tx1"/>
-                  </a:solidFill>
-                  <a:latin typeface="標楷體" panose="03000509000000000000" pitchFamily="65" charset="-120"/>
-                  <a:ea typeface="標楷體" panose="03000509000000000000" pitchFamily="65" charset="-120"/>
-                </a:rPr>
-                <a:t>預測結果</a:t>
-              </a:r>
-              <a:endParaRPr lang="zh-TW" altLang="en-US" dirty="0">
+              <a:latin typeface="標楷體" panose="03000509000000000000" pitchFamily="65" charset="-120"/>
+              <a:ea typeface="標楷體" panose="03000509000000000000" pitchFamily="65" charset="-120"/>
+            </a:endParaRPr>
+          </a:p>
+        </p:txBody>
+      </p:sp>
+      <p:sp>
+        <p:nvSpPr>
+          <p:cNvPr id="10" name="矩形 9"/>
+          <p:cNvSpPr/>
+          <p:nvPr/>
+        </p:nvSpPr>
+        <p:spPr>
+          <a:xfrm>
+            <a:off x="3491880" y="4097599"/>
+            <a:ext cx="1688103" cy="576064"/>
+          </a:xfrm>
+          <a:prstGeom prst="rect">
+            <a:avLst/>
+          </a:prstGeom>
+          <a:solidFill>
+            <a:schemeClr val="bg1"/>
+          </a:solidFill>
+          <a:ln>
+            <a:solidFill>
+              <a:schemeClr val="tx1"/>
+            </a:solidFill>
+          </a:ln>
+        </p:spPr>
+        <p:style>
+          <a:lnRef idx="2">
+            <a:schemeClr val="accent1">
+              <a:shade val="50000"/>
+            </a:schemeClr>
+          </a:lnRef>
+          <a:fillRef idx="1">
+            <a:schemeClr val="accent1"/>
+          </a:fillRef>
+          <a:effectRef idx="0">
+            <a:schemeClr val="accent1"/>
+          </a:effectRef>
+          <a:fontRef idx="minor">
+            <a:schemeClr val="lt1"/>
+          </a:fontRef>
+        </p:style>
+        <p:txBody>
+          <a:bodyPr rtlCol="0" anchor="ctr"/>
+          <a:lstStyle/>
+          <a:p>
+            <a:pPr algn="ctr"/>
+            <a:r>
+              <a:rPr lang="zh-TW" altLang="en-US" dirty="0" smtClean="0">
                 <a:solidFill>
                   <a:schemeClr val="tx1"/>
                 </a:solidFill>
                 <a:latin typeface="標楷體" panose="03000509000000000000" pitchFamily="65" charset="-120"/>
                 <a:ea typeface="標楷體" panose="03000509000000000000" pitchFamily="65" charset="-120"/>
-              </a:endParaRPr>
-            </a:p>
-          </p:txBody>
-        </p:sp>
-        <p:cxnSp>
-          <p:nvCxnSpPr>
-            <p:cNvPr id="11" name="直線單箭頭接點 10"/>
-            <p:cNvCxnSpPr/>
-            <p:nvPr/>
-          </p:nvCxnSpPr>
-          <p:spPr>
-            <a:xfrm>
-              <a:off x="5312126" y="771550"/>
-              <a:ext cx="0" cy="326115"/>
-            </a:xfrm>
-            <a:prstGeom prst="straightConnector1">
-              <a:avLst/>
-            </a:prstGeom>
-            <a:ln w="28575">
+              </a:rPr>
+              <a:t>預測結果</a:t>
+            </a:r>
+            <a:endParaRPr lang="zh-TW" altLang="en-US" dirty="0">
               <a:solidFill>
                 <a:schemeClr val="tx1"/>
               </a:solidFill>
-              <a:tailEnd type="arrow"/>
-            </a:ln>
-          </p:spPr>
-          <p:style>
-            <a:lnRef idx="1">
-              <a:schemeClr val="accent1"/>
-            </a:lnRef>
-            <a:fillRef idx="0">
-              <a:schemeClr val="accent1"/>
-            </a:fillRef>
-            <a:effectRef idx="0">
-              <a:schemeClr val="accent1"/>
-            </a:effectRef>
-            <a:fontRef idx="minor">
+              <a:latin typeface="標楷體" panose="03000509000000000000" pitchFamily="65" charset="-120"/>
+              <a:ea typeface="標楷體" panose="03000509000000000000" pitchFamily="65" charset="-120"/>
+            </a:endParaRPr>
+          </a:p>
+        </p:txBody>
+      </p:sp>
+      <p:cxnSp>
+        <p:nvCxnSpPr>
+          <p:cNvPr id="11" name="直線單箭頭接點 10"/>
+          <p:cNvCxnSpPr/>
+          <p:nvPr/>
+        </p:nvCxnSpPr>
+        <p:spPr>
+          <a:xfrm>
+            <a:off x="4335933" y="915566"/>
+            <a:ext cx="0" cy="326115"/>
+          </a:xfrm>
+          <a:prstGeom prst="straightConnector1">
+            <a:avLst/>
+          </a:prstGeom>
+          <a:ln w="28575">
+            <a:solidFill>
               <a:schemeClr val="tx1"/>
-            </a:fontRef>
-          </p:style>
-        </p:cxnSp>
-        <p:cxnSp>
-          <p:nvCxnSpPr>
-            <p:cNvPr id="13" name="直線單箭頭接點 12"/>
-            <p:cNvCxnSpPr/>
-            <p:nvPr/>
-          </p:nvCxnSpPr>
-          <p:spPr>
-            <a:xfrm flipH="1">
-              <a:off x="5312125" y="2586136"/>
-              <a:ext cx="11178" cy="379821"/>
-            </a:xfrm>
-            <a:prstGeom prst="straightConnector1">
-              <a:avLst/>
-            </a:prstGeom>
-            <a:ln w="28575">
+            </a:solidFill>
+            <a:tailEnd type="arrow"/>
+          </a:ln>
+        </p:spPr>
+        <p:style>
+          <a:lnRef idx="1">
+            <a:schemeClr val="accent1"/>
+          </a:lnRef>
+          <a:fillRef idx="0">
+            <a:schemeClr val="accent1"/>
+          </a:fillRef>
+          <a:effectRef idx="0">
+            <a:schemeClr val="accent1"/>
+          </a:effectRef>
+          <a:fontRef idx="minor">
+            <a:schemeClr val="tx1"/>
+          </a:fontRef>
+        </p:style>
+      </p:cxnSp>
+      <p:cxnSp>
+        <p:nvCxnSpPr>
+          <p:cNvPr id="13" name="直線單箭頭接點 12"/>
+          <p:cNvCxnSpPr/>
+          <p:nvPr/>
+        </p:nvCxnSpPr>
+        <p:spPr>
+          <a:xfrm flipH="1">
+            <a:off x="4335932" y="2730152"/>
+            <a:ext cx="11178" cy="379821"/>
+          </a:xfrm>
+          <a:prstGeom prst="straightConnector1">
+            <a:avLst/>
+          </a:prstGeom>
+          <a:ln w="28575">
+            <a:solidFill>
+              <a:schemeClr val="tx1"/>
+            </a:solidFill>
+            <a:tailEnd type="arrow"/>
+          </a:ln>
+        </p:spPr>
+        <p:style>
+          <a:lnRef idx="1">
+            <a:schemeClr val="accent1"/>
+          </a:lnRef>
+          <a:fillRef idx="0">
+            <a:schemeClr val="accent1"/>
+          </a:fillRef>
+          <a:effectRef idx="0">
+            <a:schemeClr val="accent1"/>
+          </a:effectRef>
+          <a:fontRef idx="minor">
+            <a:schemeClr val="tx1"/>
+          </a:fontRef>
+        </p:style>
+      </p:cxnSp>
+      <p:cxnSp>
+        <p:nvCxnSpPr>
+          <p:cNvPr id="14" name="直線單箭頭接點 13"/>
+          <p:cNvCxnSpPr/>
+          <p:nvPr/>
+        </p:nvCxnSpPr>
+        <p:spPr>
+          <a:xfrm>
+            <a:off x="4335932" y="3686037"/>
+            <a:ext cx="0" cy="397881"/>
+          </a:xfrm>
+          <a:prstGeom prst="straightConnector1">
+            <a:avLst/>
+          </a:prstGeom>
+          <a:ln w="28575">
+            <a:solidFill>
+              <a:schemeClr val="tx1"/>
+            </a:solidFill>
+            <a:tailEnd type="arrow"/>
+          </a:ln>
+        </p:spPr>
+        <p:style>
+          <a:lnRef idx="1">
+            <a:schemeClr val="accent1"/>
+          </a:lnRef>
+          <a:fillRef idx="0">
+            <a:schemeClr val="accent1"/>
+          </a:fillRef>
+          <a:effectRef idx="0">
+            <a:schemeClr val="accent1"/>
+          </a:effectRef>
+          <a:fontRef idx="minor">
+            <a:schemeClr val="tx1"/>
+          </a:fontRef>
+        </p:style>
+      </p:cxnSp>
+      <p:cxnSp>
+        <p:nvCxnSpPr>
+          <p:cNvPr id="21" name="直線單箭頭接點 20"/>
+          <p:cNvCxnSpPr/>
+          <p:nvPr/>
+        </p:nvCxnSpPr>
+        <p:spPr>
+          <a:xfrm>
+            <a:off x="4342124" y="1817066"/>
+            <a:ext cx="0" cy="326115"/>
+          </a:xfrm>
+          <a:prstGeom prst="straightConnector1">
+            <a:avLst/>
+          </a:prstGeom>
+          <a:ln w="28575">
+            <a:solidFill>
+              <a:schemeClr val="tx1"/>
+            </a:solidFill>
+            <a:tailEnd type="arrow"/>
+          </a:ln>
+        </p:spPr>
+        <p:style>
+          <a:lnRef idx="1">
+            <a:schemeClr val="accent1"/>
+          </a:lnRef>
+          <a:fillRef idx="0">
+            <a:schemeClr val="accent1"/>
+          </a:fillRef>
+          <a:effectRef idx="0">
+            <a:schemeClr val="accent1"/>
+          </a:effectRef>
+          <a:fontRef idx="minor">
+            <a:schemeClr val="tx1"/>
+          </a:fontRef>
+        </p:style>
+      </p:cxnSp>
+      <p:sp>
+        <p:nvSpPr>
+          <p:cNvPr id="15" name="矩形 14"/>
+          <p:cNvSpPr/>
+          <p:nvPr/>
+        </p:nvSpPr>
+        <p:spPr>
+          <a:xfrm>
+            <a:off x="6268273" y="1563638"/>
+            <a:ext cx="1688103" cy="576064"/>
+          </a:xfrm>
+          <a:prstGeom prst="rect">
+            <a:avLst/>
+          </a:prstGeom>
+          <a:solidFill>
+            <a:schemeClr val="bg1"/>
+          </a:solidFill>
+          <a:ln>
+            <a:solidFill>
+              <a:schemeClr val="tx1"/>
+            </a:solidFill>
+          </a:ln>
+        </p:spPr>
+        <p:style>
+          <a:lnRef idx="2">
+            <a:schemeClr val="accent1">
+              <a:shade val="50000"/>
+            </a:schemeClr>
+          </a:lnRef>
+          <a:fillRef idx="1">
+            <a:schemeClr val="accent1"/>
+          </a:fillRef>
+          <a:effectRef idx="0">
+            <a:schemeClr val="accent1"/>
+          </a:effectRef>
+          <a:fontRef idx="minor">
+            <a:schemeClr val="lt1"/>
+          </a:fontRef>
+        </p:style>
+        <p:txBody>
+          <a:bodyPr rtlCol="0" anchor="ctr"/>
+          <a:lstStyle/>
+          <a:p>
+            <a:pPr algn="ctr"/>
+            <a:r>
+              <a:rPr lang="zh-TW" altLang="en-US" dirty="0" smtClean="0">
+                <a:solidFill>
+                  <a:schemeClr val="tx1"/>
+                </a:solidFill>
+                <a:latin typeface="標楷體" panose="03000509000000000000" pitchFamily="65" charset="-120"/>
+                <a:ea typeface="標楷體" panose="03000509000000000000" pitchFamily="65" charset="-120"/>
+              </a:rPr>
+              <a:t>繪圖</a:t>
+            </a:r>
+            <a:endParaRPr lang="zh-TW" altLang="en-US" dirty="0">
               <a:solidFill>
                 <a:schemeClr val="tx1"/>
               </a:solidFill>
-              <a:tailEnd type="arrow"/>
-            </a:ln>
-          </p:spPr>
-          <p:style>
-            <a:lnRef idx="1">
-              <a:schemeClr val="accent1"/>
-            </a:lnRef>
-            <a:fillRef idx="0">
-              <a:schemeClr val="accent1"/>
-            </a:fillRef>
-            <a:effectRef idx="0">
-              <a:schemeClr val="accent1"/>
-            </a:effectRef>
-            <a:fontRef idx="minor">
+              <a:latin typeface="標楷體" panose="03000509000000000000" pitchFamily="65" charset="-120"/>
+              <a:ea typeface="標楷體" panose="03000509000000000000" pitchFamily="65" charset="-120"/>
+            </a:endParaRPr>
+          </a:p>
+        </p:txBody>
+      </p:sp>
+      <p:sp>
+        <p:nvSpPr>
+          <p:cNvPr id="16" name="矩形 15"/>
+          <p:cNvSpPr/>
+          <p:nvPr/>
+        </p:nvSpPr>
+        <p:spPr>
+          <a:xfrm>
+            <a:off x="6268274" y="2753558"/>
+            <a:ext cx="1688102" cy="576064"/>
+          </a:xfrm>
+          <a:prstGeom prst="rect">
+            <a:avLst/>
+          </a:prstGeom>
+          <a:solidFill>
+            <a:schemeClr val="bg1"/>
+          </a:solidFill>
+          <a:ln>
+            <a:solidFill>
               <a:schemeClr val="tx1"/>
-            </a:fontRef>
-          </p:style>
-        </p:cxnSp>
-        <p:cxnSp>
-          <p:nvCxnSpPr>
-            <p:cNvPr id="14" name="直線單箭頭接點 13"/>
-            <p:cNvCxnSpPr/>
-            <p:nvPr/>
-          </p:nvCxnSpPr>
-          <p:spPr>
-            <a:xfrm>
-              <a:off x="5312125" y="3542021"/>
-              <a:ext cx="0" cy="397881"/>
-            </a:xfrm>
-            <a:prstGeom prst="straightConnector1">
-              <a:avLst/>
-            </a:prstGeom>
-            <a:ln w="28575">
+            </a:solidFill>
+          </a:ln>
+        </p:spPr>
+        <p:style>
+          <a:lnRef idx="2">
+            <a:schemeClr val="accent1">
+              <a:shade val="50000"/>
+            </a:schemeClr>
+          </a:lnRef>
+          <a:fillRef idx="1">
+            <a:schemeClr val="accent1"/>
+          </a:fillRef>
+          <a:effectRef idx="0">
+            <a:schemeClr val="accent1"/>
+          </a:effectRef>
+          <a:fontRef idx="minor">
+            <a:schemeClr val="lt1"/>
+          </a:fontRef>
+        </p:style>
+        <p:txBody>
+          <a:bodyPr rtlCol="0" anchor="ctr"/>
+          <a:lstStyle/>
+          <a:p>
+            <a:pPr algn="ctr"/>
+            <a:r>
+              <a:rPr lang="zh-TW" altLang="en-US" dirty="0" smtClean="0">
+                <a:solidFill>
+                  <a:schemeClr val="tx1"/>
+                </a:solidFill>
+                <a:latin typeface="標楷體" panose="03000509000000000000" pitchFamily="65" charset="-120"/>
+                <a:ea typeface="標楷體" panose="03000509000000000000" pitchFamily="65" charset="-120"/>
+              </a:rPr>
+              <a:t>將資料儲存於</a:t>
+            </a:r>
+            <a:endParaRPr lang="en-US" altLang="zh-TW" dirty="0" smtClean="0">
               <a:solidFill>
                 <a:schemeClr val="tx1"/>
               </a:solidFill>
-              <a:tailEnd type="arrow"/>
-            </a:ln>
-          </p:spPr>
-          <p:style>
-            <a:lnRef idx="1">
-              <a:schemeClr val="accent1"/>
-            </a:lnRef>
-            <a:fillRef idx="0">
-              <a:schemeClr val="accent1"/>
-            </a:fillRef>
-            <a:effectRef idx="0">
-              <a:schemeClr val="accent1"/>
-            </a:effectRef>
-            <a:fontRef idx="minor">
-              <a:schemeClr val="tx1"/>
-            </a:fontRef>
-          </p:style>
-        </p:cxnSp>
-        <p:cxnSp>
-          <p:nvCxnSpPr>
-            <p:cNvPr id="21" name="直線單箭頭接點 20"/>
-            <p:cNvCxnSpPr/>
-            <p:nvPr/>
-          </p:nvCxnSpPr>
-          <p:spPr>
-            <a:xfrm>
-              <a:off x="5318317" y="1673050"/>
-              <a:ext cx="0" cy="326115"/>
-            </a:xfrm>
-            <a:prstGeom prst="straightConnector1">
-              <a:avLst/>
-            </a:prstGeom>
-            <a:ln w="28575">
+              <a:latin typeface="標楷體" panose="03000509000000000000" pitchFamily="65" charset="-120"/>
+              <a:ea typeface="標楷體" panose="03000509000000000000" pitchFamily="65" charset="-120"/>
+            </a:endParaRPr>
+          </a:p>
+          <a:p>
+            <a:pPr algn="ctr"/>
+            <a:r>
+              <a:rPr lang="en-US" altLang="zh-TW" dirty="0" smtClean="0">
+                <a:solidFill>
+                  <a:schemeClr val="tx1"/>
+                </a:solidFill>
+                <a:latin typeface="標楷體" panose="03000509000000000000" pitchFamily="65" charset="-120"/>
+                <a:ea typeface="標楷體" panose="03000509000000000000" pitchFamily="65" charset="-120"/>
+              </a:rPr>
+              <a:t>submmit.csv</a:t>
+            </a:r>
+            <a:endParaRPr lang="zh-TW" altLang="en-US" dirty="0">
               <a:solidFill>
                 <a:schemeClr val="tx1"/>
               </a:solidFill>
-              <a:tailEnd type="arrow"/>
-            </a:ln>
-          </p:spPr>
-          <p:style>
-            <a:lnRef idx="1">
-              <a:schemeClr val="accent1"/>
-            </a:lnRef>
-            <a:fillRef idx="0">
-              <a:schemeClr val="accent1"/>
-            </a:fillRef>
-            <a:effectRef idx="0">
-              <a:schemeClr val="accent1"/>
-            </a:effectRef>
-            <a:fontRef idx="minor">
+              <a:latin typeface="標楷體" panose="03000509000000000000" pitchFamily="65" charset="-120"/>
+              <a:ea typeface="標楷體" panose="03000509000000000000" pitchFamily="65" charset="-120"/>
+            </a:endParaRPr>
+          </a:p>
+        </p:txBody>
+      </p:sp>
+      <p:cxnSp>
+        <p:nvCxnSpPr>
+          <p:cNvPr id="19" name="直線單箭頭接點 18"/>
+          <p:cNvCxnSpPr>
+            <a:stCxn id="15" idx="2"/>
+            <a:endCxn id="16" idx="0"/>
+          </p:cNvCxnSpPr>
+          <p:nvPr/>
+        </p:nvCxnSpPr>
+        <p:spPr>
+          <a:xfrm>
+            <a:off x="7112325" y="2139702"/>
+            <a:ext cx="0" cy="613856"/>
+          </a:xfrm>
+          <a:prstGeom prst="straightConnector1">
+            <a:avLst/>
+          </a:prstGeom>
+          <a:ln w="28575">
+            <a:solidFill>
               <a:schemeClr val="tx1"/>
-            </a:fontRef>
-          </p:style>
-        </p:cxnSp>
-      </p:grpSp>
+            </a:solidFill>
+            <a:tailEnd type="arrow"/>
+          </a:ln>
+        </p:spPr>
+        <p:style>
+          <a:lnRef idx="1">
+            <a:schemeClr val="accent1"/>
+          </a:lnRef>
+          <a:fillRef idx="0">
+            <a:schemeClr val="accent1"/>
+          </a:fillRef>
+          <a:effectRef idx="0">
+            <a:schemeClr val="accent1"/>
+          </a:effectRef>
+          <a:fontRef idx="minor">
+            <a:schemeClr val="tx1"/>
+          </a:fontRef>
+        </p:style>
+      </p:cxnSp>
+      <p:sp>
+        <p:nvSpPr>
+          <p:cNvPr id="24" name="矩形 23"/>
+          <p:cNvSpPr/>
+          <p:nvPr/>
+        </p:nvSpPr>
+        <p:spPr>
+          <a:xfrm>
+            <a:off x="6012159" y="341865"/>
+            <a:ext cx="1944217" cy="576064"/>
+          </a:xfrm>
+          <a:prstGeom prst="rect">
+            <a:avLst/>
+          </a:prstGeom>
+          <a:solidFill>
+            <a:schemeClr val="bg1"/>
+          </a:solidFill>
+          <a:ln>
+            <a:solidFill>
+              <a:schemeClr val="tx1"/>
+            </a:solidFill>
+          </a:ln>
+        </p:spPr>
+        <p:style>
+          <a:lnRef idx="2">
+            <a:schemeClr val="accent1">
+              <a:shade val="50000"/>
+            </a:schemeClr>
+          </a:lnRef>
+          <a:fillRef idx="1">
+            <a:schemeClr val="accent1"/>
+          </a:fillRef>
+          <a:effectRef idx="0">
+            <a:schemeClr val="accent1"/>
+          </a:effectRef>
+          <a:fontRef idx="minor">
+            <a:schemeClr val="lt1"/>
+          </a:fontRef>
+        </p:style>
+        <p:txBody>
+          <a:bodyPr rtlCol="0" anchor="ctr"/>
+          <a:lstStyle/>
+          <a:p>
+            <a:pPr algn="ctr"/>
+            <a:r>
+              <a:rPr lang="zh-TW" altLang="en-US" dirty="0" smtClean="0">
+                <a:solidFill>
+                  <a:schemeClr val="tx1"/>
+                </a:solidFill>
+                <a:latin typeface="標楷體" panose="03000509000000000000" pitchFamily="65" charset="-120"/>
+                <a:ea typeface="標楷體" panose="03000509000000000000" pitchFamily="65" charset="-120"/>
+              </a:rPr>
+              <a:t>用</a:t>
+            </a:r>
+            <a:r>
+              <a:rPr lang="en-US" altLang="zh-TW" dirty="0" smtClean="0">
+                <a:solidFill>
+                  <a:schemeClr val="tx1"/>
+                </a:solidFill>
+                <a:latin typeface="標楷體" panose="03000509000000000000" pitchFamily="65" charset="-120"/>
+                <a:ea typeface="標楷體" panose="03000509000000000000" pitchFamily="65" charset="-120"/>
+              </a:rPr>
+              <a:t>valid-v3</a:t>
+            </a:r>
+            <a:r>
+              <a:rPr lang="zh-TW" altLang="en-US" dirty="0" smtClean="0">
+                <a:solidFill>
+                  <a:schemeClr val="tx1"/>
+                </a:solidFill>
+                <a:latin typeface="標楷體" panose="03000509000000000000" pitchFamily="65" charset="-120"/>
+                <a:ea typeface="標楷體" panose="03000509000000000000" pitchFamily="65" charset="-120"/>
+              </a:rPr>
+              <a:t>，看訓練模型好不好</a:t>
+            </a:r>
+            <a:endParaRPr lang="zh-TW" altLang="en-US" dirty="0">
+              <a:solidFill>
+                <a:schemeClr val="tx1"/>
+              </a:solidFill>
+              <a:latin typeface="標楷體" panose="03000509000000000000" pitchFamily="65" charset="-120"/>
+              <a:ea typeface="標楷體" panose="03000509000000000000" pitchFamily="65" charset="-120"/>
+            </a:endParaRPr>
+          </a:p>
+        </p:txBody>
+      </p:sp>
+      <p:cxnSp>
+        <p:nvCxnSpPr>
+          <p:cNvPr id="27" name="肘形接點 26"/>
+          <p:cNvCxnSpPr>
+            <a:stCxn id="10" idx="3"/>
+            <a:endCxn id="24" idx="1"/>
+          </p:cNvCxnSpPr>
+          <p:nvPr/>
+        </p:nvCxnSpPr>
+        <p:spPr>
+          <a:xfrm flipV="1">
+            <a:off x="5179983" y="629897"/>
+            <a:ext cx="832176" cy="3755734"/>
+          </a:xfrm>
+          <a:prstGeom prst="bentConnector3">
+            <a:avLst/>
+          </a:prstGeom>
+          <a:ln w="28575">
+            <a:solidFill>
+              <a:schemeClr val="tx1"/>
+            </a:solidFill>
+            <a:tailEnd type="arrow"/>
+          </a:ln>
+        </p:spPr>
+        <p:style>
+          <a:lnRef idx="1">
+            <a:schemeClr val="accent1"/>
+          </a:lnRef>
+          <a:fillRef idx="0">
+            <a:schemeClr val="accent1"/>
+          </a:fillRef>
+          <a:effectRef idx="0">
+            <a:schemeClr val="accent1"/>
+          </a:effectRef>
+          <a:fontRef idx="minor">
+            <a:schemeClr val="tx1"/>
+          </a:fontRef>
+        </p:style>
+      </p:cxnSp>
+      <p:cxnSp>
+        <p:nvCxnSpPr>
+          <p:cNvPr id="30" name="直線單箭頭接點 29"/>
+          <p:cNvCxnSpPr/>
+          <p:nvPr/>
+        </p:nvCxnSpPr>
+        <p:spPr>
+          <a:xfrm>
+            <a:off x="7092280" y="934753"/>
+            <a:ext cx="0" cy="613856"/>
+          </a:xfrm>
+          <a:prstGeom prst="straightConnector1">
+            <a:avLst/>
+          </a:prstGeom>
+          <a:ln w="28575">
+            <a:solidFill>
+              <a:schemeClr val="tx1"/>
+            </a:solidFill>
+            <a:tailEnd type="arrow"/>
+          </a:ln>
+        </p:spPr>
+        <p:style>
+          <a:lnRef idx="1">
+            <a:schemeClr val="accent1"/>
+          </a:lnRef>
+          <a:fillRef idx="0">
+            <a:schemeClr val="accent1"/>
+          </a:fillRef>
+          <a:effectRef idx="0">
+            <a:schemeClr val="accent1"/>
+          </a:effectRef>
+          <a:fontRef idx="minor">
+            <a:schemeClr val="tx1"/>
+          </a:fontRef>
+        </p:style>
+      </p:cxnSp>
     </p:spTree>
     <p:extLst>
       <p:ext uri="{BB962C8B-B14F-4D97-AF65-F5344CB8AC3E}">
@@ -6722,7 +7048,7 @@
         </p:nvSpPr>
         <p:spPr>
           <a:xfrm>
-            <a:off x="1772072" y="2302181"/>
+            <a:off x="1772072" y="3183684"/>
             <a:ext cx="7524328" cy="884466"/>
           </a:xfrm>
         </p:spPr>
@@ -6736,15 +7062,7 @@
                 <a:ea typeface="標楷體" panose="03000509000000000000" pitchFamily="65" charset="-120"/>
                 <a:cs typeface="Times New Roman" panose="02020603050405020304" pitchFamily="18" charset="0"/>
               </a:rPr>
-              <a:t>資料正規</a:t>
-            </a:r>
-            <a:r>
-              <a:rPr lang="zh-TW" altLang="en-US" sz="2400" dirty="0">
-                <a:latin typeface="標楷體" panose="03000509000000000000" pitchFamily="65" charset="-120"/>
-                <a:ea typeface="標楷體" panose="03000509000000000000" pitchFamily="65" charset="-120"/>
-                <a:cs typeface="Times New Roman" panose="02020603050405020304" pitchFamily="18" charset="0"/>
-              </a:rPr>
-              <a:t>化</a:t>
+              <a:t>資料正規化</a:t>
             </a:r>
           </a:p>
         </p:txBody>
@@ -6764,7 +7082,7 @@
         </p:blipFill>
         <p:spPr>
           <a:xfrm>
-            <a:off x="1907704" y="3058001"/>
+            <a:off x="1907704" y="3885301"/>
             <a:ext cx="2895600" cy="144016"/>
           </a:xfrm>
           <a:prstGeom prst="rect">
@@ -6896,7 +7214,7 @@
         </p:blipFill>
         <p:spPr>
           <a:xfrm>
-            <a:off x="1912201" y="3360865"/>
+            <a:off x="1912201" y="4188165"/>
             <a:ext cx="3571875" cy="360040"/>
           </a:xfrm>
           <a:prstGeom prst="rect">
@@ -6919,8 +7237,75 @@
         </p:blipFill>
         <p:spPr>
           <a:xfrm>
-            <a:off x="1907704" y="3832682"/>
+            <a:off x="1907704" y="4659982"/>
             <a:ext cx="3571875" cy="144016"/>
+          </a:xfrm>
+          <a:prstGeom prst="rect">
+            <a:avLst/>
+          </a:prstGeom>
+        </p:spPr>
+      </p:pic>
+      <p:sp>
+        <p:nvSpPr>
+          <p:cNvPr id="13" name="文字方塊 12"/>
+          <p:cNvSpPr txBox="1"/>
+          <p:nvPr/>
+        </p:nvSpPr>
+        <p:spPr>
+          <a:xfrm>
+            <a:off x="1818548" y="2358150"/>
+            <a:ext cx="1224136" cy="369332"/>
+          </a:xfrm>
+          <a:prstGeom prst="rect">
+            <a:avLst/>
+          </a:prstGeom>
+          <a:noFill/>
+        </p:spPr>
+        <p:txBody>
+          <a:bodyPr wrap="square" rtlCol="0">
+            <a:spAutoFit/>
+          </a:bodyPr>
+          <a:lstStyle/>
+          <a:p>
+            <a:r>
+              <a:rPr lang="zh-TW" altLang="en-US" dirty="0" smtClean="0">
+                <a:latin typeface="Times New Roman" panose="02020603050405020304" pitchFamily="18" charset="0"/>
+                <a:ea typeface="標楷體" panose="03000509000000000000" pitchFamily="65" charset="-120"/>
+              </a:rPr>
+              <a:t>讀取</a:t>
+            </a:r>
+            <a:r>
+              <a:rPr lang="en-US" altLang="zh-TW" dirty="0" smtClean="0">
+                <a:latin typeface="Times New Roman" panose="02020603050405020304" pitchFamily="18" charset="0"/>
+                <a:ea typeface="標楷體" panose="03000509000000000000" pitchFamily="65" charset="-120"/>
+              </a:rPr>
+              <a:t>valid</a:t>
+            </a:r>
+            <a:endParaRPr lang="zh-TW" altLang="en-US" dirty="0">
+              <a:latin typeface="Times New Roman" panose="02020603050405020304" pitchFamily="18" charset="0"/>
+              <a:ea typeface="標楷體" panose="03000509000000000000" pitchFamily="65" charset="-120"/>
+            </a:endParaRPr>
+          </a:p>
+        </p:txBody>
+      </p:sp>
+      <p:pic>
+        <p:nvPicPr>
+          <p:cNvPr id="2" name="圖片 1"/>
+          <p:cNvPicPr>
+            <a:picLocks noChangeAspect="1"/>
+          </p:cNvPicPr>
+          <p:nvPr/>
+        </p:nvPicPr>
+        <p:blipFill>
+          <a:blip r:embed="rId6"/>
+          <a:stretch>
+            <a:fillRect/>
+          </a:stretch>
+        </p:blipFill>
+        <p:spPr>
+          <a:xfrm>
+            <a:off x="1907704" y="2726484"/>
+            <a:ext cx="3209925" cy="457200"/>
           </a:xfrm>
           <a:prstGeom prst="rect">
             <a:avLst/>
@@ -7150,7 +7535,7 @@
         </p:nvSpPr>
         <p:spPr>
           <a:xfrm>
-            <a:off x="1772072" y="152400"/>
+            <a:off x="1772072" y="1126273"/>
             <a:ext cx="7524328" cy="884466"/>
           </a:xfrm>
           <a:prstGeom prst="rect">
@@ -7180,12 +7565,80 @@
           </a:lstStyle>
           <a:p>
             <a:r>
+              <a:rPr lang="zh-TW" altLang="en-US" sz="2400" dirty="0">
+                <a:solidFill>
+                  <a:schemeClr val="tx1"/>
+                </a:solidFill>
+                <a:latin typeface="標楷體" panose="03000509000000000000" pitchFamily="65" charset="-120"/>
+                <a:ea typeface="標楷體" panose="03000509000000000000" pitchFamily="65" charset="-120"/>
+              </a:rPr>
+              <a:t>用</a:t>
+            </a:r>
+            <a:r>
+              <a:rPr lang="en-US" altLang="zh-TW" sz="2400" dirty="0">
+                <a:solidFill>
+                  <a:schemeClr val="tx1"/>
+                </a:solidFill>
+                <a:latin typeface="標楷體" panose="03000509000000000000" pitchFamily="65" charset="-120"/>
+                <a:ea typeface="標楷體" panose="03000509000000000000" pitchFamily="65" charset="-120"/>
+              </a:rPr>
+              <a:t>valid-v3</a:t>
+            </a:r>
+            <a:r>
+              <a:rPr lang="zh-TW" altLang="en-US" sz="2400" dirty="0">
+                <a:solidFill>
+                  <a:schemeClr val="tx1"/>
+                </a:solidFill>
+                <a:latin typeface="標楷體" panose="03000509000000000000" pitchFamily="65" charset="-120"/>
+                <a:ea typeface="標楷體" panose="03000509000000000000" pitchFamily="65" charset="-120"/>
+              </a:rPr>
+              <a:t>，看訓練模型好不好</a:t>
+            </a:r>
+            <a:endParaRPr lang="zh-TW" altLang="en-US" sz="2400" dirty="0">
+              <a:solidFill>
+                <a:schemeClr val="tx1"/>
+              </a:solidFill>
+              <a:latin typeface="標楷體" panose="03000509000000000000" pitchFamily="65" charset="-120"/>
+              <a:ea typeface="標楷體" panose="03000509000000000000" pitchFamily="65" charset="-120"/>
+            </a:endParaRPr>
+          </a:p>
+        </p:txBody>
+      </p:sp>
+      <p:sp>
+        <p:nvSpPr>
+          <p:cNvPr id="16" name="標題 1"/>
+          <p:cNvSpPr>
+            <a:spLocks noGrp="1"/>
+          </p:cNvSpPr>
+          <p:nvPr>
+            <p:ph type="title"/>
+          </p:nvPr>
+        </p:nvSpPr>
+        <p:spPr>
+          <a:xfrm>
+            <a:off x="1772072" y="2299014"/>
+            <a:ext cx="7524328" cy="884466"/>
+          </a:xfrm>
+        </p:spPr>
+        <p:txBody>
+          <a:bodyPr/>
+          <a:lstStyle/>
+          <a:p>
+            <a:r>
+              <a:rPr lang="zh-TW" altLang="en-US" sz="2400" dirty="0">
+                <a:latin typeface="標楷體" panose="03000509000000000000" pitchFamily="65" charset="-120"/>
+                <a:ea typeface="標楷體" panose="03000509000000000000" pitchFamily="65" charset="-120"/>
+                <a:cs typeface="Times New Roman" panose="02020603050405020304" pitchFamily="18" charset="0"/>
+              </a:rPr>
+              <a:t>繪</a:t>
+            </a:r>
+            <a:r>
               <a:rPr lang="zh-TW" altLang="en-US" sz="2400" dirty="0" smtClean="0">
                 <a:latin typeface="標楷體" panose="03000509000000000000" pitchFamily="65" charset="-120"/>
                 <a:ea typeface="標楷體" panose="03000509000000000000" pitchFamily="65" charset="-120"/>
                 <a:cs typeface="Times New Roman" panose="02020603050405020304" pitchFamily="18" charset="0"/>
               </a:rPr>
-              <a:t>預測結果</a:t>
+              <a:t>圖</a:t>
             </a:r>
             <a:endParaRPr lang="zh-TW" altLang="en-US" sz="2400" dirty="0">
               <a:latin typeface="標楷體" panose="03000509000000000000" pitchFamily="65" charset="-120"/>
@@ -7195,53 +7648,9 @@
           </a:p>
         </p:txBody>
       </p:sp>
-      <p:sp>
-        <p:nvSpPr>
-          <p:cNvPr id="16" name="標題 1"/>
-          <p:cNvSpPr>
-            <a:spLocks noGrp="1"/>
-          </p:cNvSpPr>
-          <p:nvPr>
-            <p:ph type="title"/>
-          </p:nvPr>
-        </p:nvSpPr>
-        <p:spPr>
-          <a:xfrm>
-            <a:off x="1772072" y="1325141"/>
-            <a:ext cx="7524328" cy="884466"/>
-          </a:xfrm>
-        </p:spPr>
-        <p:txBody>
-          <a:bodyPr/>
-          <a:lstStyle/>
-          <a:p>
-            <a:r>
-              <a:rPr lang="zh-TW" altLang="en-US" sz="2400" dirty="0" smtClean="0">
-                <a:latin typeface="標楷體" panose="03000509000000000000" pitchFamily="65" charset="-120"/>
-                <a:ea typeface="標楷體" panose="03000509000000000000" pitchFamily="65" charset="-120"/>
-                <a:cs typeface="Times New Roman" panose="02020603050405020304" pitchFamily="18" charset="0"/>
-              </a:rPr>
-              <a:t>將結果儲存於</a:t>
-            </a:r>
-            <a:r>
-              <a:rPr lang="en-US" altLang="zh-TW" sz="2400" dirty="0" smtClean="0">
-                <a:latin typeface="標楷體" panose="03000509000000000000" pitchFamily="65" charset="-120"/>
-                <a:ea typeface="標楷體" panose="03000509000000000000" pitchFamily="65" charset="-120"/>
-                <a:cs typeface="Times New Roman" panose="02020603050405020304" pitchFamily="18" charset="0"/>
-              </a:rPr>
-              <a:t>submmit.csv</a:t>
-            </a:r>
-            <a:endParaRPr lang="zh-TW" altLang="en-US" sz="2400" dirty="0">
-              <a:latin typeface="標楷體" panose="03000509000000000000" pitchFamily="65" charset="-120"/>
-              <a:ea typeface="標楷體" panose="03000509000000000000" pitchFamily="65" charset="-120"/>
-              <a:cs typeface="Times New Roman" panose="02020603050405020304" pitchFamily="18" charset="0"/>
-            </a:endParaRPr>
-          </a:p>
-        </p:txBody>
-      </p:sp>
       <p:pic>
         <p:nvPicPr>
-          <p:cNvPr id="6" name="圖片 5"/>
+          <p:cNvPr id="2" name="圖片 1"/>
           <p:cNvPicPr>
             <a:picLocks noChangeAspect="1"/>
           </p:cNvPicPr>
@@ -7255,8 +7664,8 @@
         </p:blipFill>
         <p:spPr>
           <a:xfrm>
-            <a:off x="1835696" y="915566"/>
-            <a:ext cx="2657475" cy="409575"/>
+            <a:off x="1835696" y="1898964"/>
+            <a:ext cx="4953000" cy="400050"/>
           </a:xfrm>
           <a:prstGeom prst="rect">
             <a:avLst/>
@@ -7265,7 +7674,7 @@
       </p:pic>
       <p:pic>
         <p:nvPicPr>
-          <p:cNvPr id="7" name="圖片 6"/>
+          <p:cNvPr id="3" name="圖片 2"/>
           <p:cNvPicPr>
             <a:picLocks noChangeAspect="1"/>
           </p:cNvPicPr>
@@ -7279,49 +7688,25 @@
         </p:blipFill>
         <p:spPr>
           <a:xfrm>
-            <a:off x="1835696" y="1912094"/>
-            <a:ext cx="3238500" cy="352425"/>
+            <a:off x="1772072" y="2979787"/>
+            <a:ext cx="6181725" cy="600075"/>
           </a:xfrm>
           <a:prstGeom prst="rect">
             <a:avLst/>
           </a:prstGeom>
         </p:spPr>
       </p:pic>
-      <p:pic>
-        <p:nvPicPr>
-          <p:cNvPr id="8" name="圖片 7"/>
-          <p:cNvPicPr>
-            <a:picLocks noChangeAspect="1"/>
-          </p:cNvPicPr>
+      <p:sp>
+        <p:nvSpPr>
+          <p:cNvPr id="10" name="標題 1"/>
+          <p:cNvSpPr txBox="1">
+            <a:spLocks/>
+          </p:cNvSpPr>
           <p:nvPr/>
-        </p:nvPicPr>
-        <p:blipFill>
-          <a:blip r:embed="rId5"/>
-          <a:stretch>
-            <a:fillRect/>
-          </a:stretch>
-        </p:blipFill>
+        </p:nvSpPr>
         <p:spPr>
           <a:xfrm>
-            <a:off x="1835696" y="3075806"/>
-            <a:ext cx="4848225" cy="819150"/>
-          </a:xfrm>
-          <a:prstGeom prst="rect">
-            <a:avLst/>
-          </a:prstGeom>
-        </p:spPr>
-      </p:pic>
-      <p:sp>
-        <p:nvSpPr>
-          <p:cNvPr id="9" name="標題 1"/>
-          <p:cNvSpPr txBox="1">
-            <a:spLocks/>
-          </p:cNvSpPr>
-          <p:nvPr/>
-        </p:nvSpPr>
-        <p:spPr>
-          <a:xfrm>
-            <a:off x="1772072" y="2217724"/>
+            <a:off x="1772072" y="152400"/>
             <a:ext cx="7524328" cy="884466"/>
           </a:xfrm>
           <a:prstGeom prst="rect">
@@ -7356,7 +7741,7 @@
                 <a:ea typeface="標楷體" panose="03000509000000000000" pitchFamily="65" charset="-120"/>
                 <a:cs typeface="Times New Roman" panose="02020603050405020304" pitchFamily="18" charset="0"/>
               </a:rPr>
-              <a:t>分析訓練結果</a:t>
+              <a:t>預測結果</a:t>
             </a:r>
             <a:endParaRPr lang="zh-TW" altLang="en-US" sz="2400" dirty="0">
               <a:latin typeface="標楷體" panose="03000509000000000000" pitchFamily="65" charset="-120"/>
@@ -7366,6 +7751,117 @@
           </a:p>
         </p:txBody>
       </p:sp>
+      <p:pic>
+        <p:nvPicPr>
+          <p:cNvPr id="11" name="圖片 10"/>
+          <p:cNvPicPr>
+            <a:picLocks noChangeAspect="1"/>
+          </p:cNvPicPr>
+          <p:nvPr/>
+        </p:nvPicPr>
+        <p:blipFill>
+          <a:blip r:embed="rId5"/>
+          <a:stretch>
+            <a:fillRect/>
+          </a:stretch>
+        </p:blipFill>
+        <p:spPr>
+          <a:xfrm>
+            <a:off x="1835696" y="915566"/>
+            <a:ext cx="2657475" cy="409575"/>
+          </a:xfrm>
+          <a:prstGeom prst="rect">
+            <a:avLst/>
+          </a:prstGeom>
+        </p:spPr>
+      </p:pic>
+      <p:sp>
+        <p:nvSpPr>
+          <p:cNvPr id="12" name="標題 1"/>
+          <p:cNvSpPr txBox="1">
+            <a:spLocks/>
+          </p:cNvSpPr>
+          <p:nvPr/>
+        </p:nvSpPr>
+        <p:spPr>
+          <a:xfrm>
+            <a:off x="1772072" y="3673682"/>
+            <a:ext cx="7524328" cy="884466"/>
+          </a:xfrm>
+          <a:prstGeom prst="rect">
+            <a:avLst/>
+          </a:prstGeom>
+        </p:spPr>
+        <p:txBody>
+          <a:bodyPr anchor="ctr"/>
+          <a:lstStyle>
+            <a:lvl1pPr algn="l" defTabSz="914400" rtl="0" eaLnBrk="1" latinLnBrk="1" hangingPunct="1">
+              <a:spcBef>
+                <a:spcPct val="0"/>
+              </a:spcBef>
+              <a:buNone/>
+              <a:defRPr sz="3600" b="1" kern="1200">
+                <a:solidFill>
+                  <a:schemeClr val="tx1">
+                    <a:lumMod val="75000"/>
+                    <a:lumOff val="25000"/>
+                  </a:schemeClr>
+                </a:solidFill>
+                <a:latin typeface="Arial" pitchFamily="34" charset="0"/>
+                <a:ea typeface="+mj-ea"/>
+                <a:cs typeface="Arial" pitchFamily="34" charset="0"/>
+              </a:defRPr>
+            </a:lvl1pPr>
+          </a:lstStyle>
+          <a:p>
+            <a:r>
+              <a:rPr lang="zh-TW" altLang="en-US" sz="2400" smtClean="0">
+                <a:latin typeface="標楷體" panose="03000509000000000000" pitchFamily="65" charset="-120"/>
+                <a:ea typeface="標楷體" panose="03000509000000000000" pitchFamily="65" charset="-120"/>
+                <a:cs typeface="Times New Roman" panose="02020603050405020304" pitchFamily="18" charset="0"/>
+              </a:rPr>
+              <a:t>將結果儲存於</a:t>
+            </a:r>
+            <a:r>
+              <a:rPr lang="en-US" altLang="zh-TW" sz="2400" smtClean="0">
+                <a:latin typeface="標楷體" panose="03000509000000000000" pitchFamily="65" charset="-120"/>
+                <a:ea typeface="標楷體" panose="03000509000000000000" pitchFamily="65" charset="-120"/>
+                <a:cs typeface="Times New Roman" panose="02020603050405020304" pitchFamily="18" charset="0"/>
+              </a:rPr>
+              <a:t>submmit.csv</a:t>
+            </a:r>
+            <a:endParaRPr lang="zh-TW" altLang="en-US" sz="2400" dirty="0">
+              <a:latin typeface="標楷體" panose="03000509000000000000" pitchFamily="65" charset="-120"/>
+              <a:ea typeface="標楷體" panose="03000509000000000000" pitchFamily="65" charset="-120"/>
+              <a:cs typeface="Times New Roman" panose="02020603050405020304" pitchFamily="18" charset="0"/>
+            </a:endParaRPr>
+          </a:p>
+        </p:txBody>
+      </p:sp>
+      <p:pic>
+        <p:nvPicPr>
+          <p:cNvPr id="13" name="圖片 12"/>
+          <p:cNvPicPr>
+            <a:picLocks noChangeAspect="1"/>
+          </p:cNvPicPr>
+          <p:nvPr/>
+        </p:nvPicPr>
+        <p:blipFill>
+          <a:blip r:embed="rId6"/>
+          <a:stretch>
+            <a:fillRect/>
+          </a:stretch>
+        </p:blipFill>
+        <p:spPr>
+          <a:xfrm>
+            <a:off x="1835696" y="4260635"/>
+            <a:ext cx="3238500" cy="352425"/>
+          </a:xfrm>
+          <a:prstGeom prst="rect">
+            <a:avLst/>
+          </a:prstGeom>
+        </p:spPr>
+      </p:pic>
     </p:spTree>
     <p:extLst>
       <p:ext uri="{BB962C8B-B14F-4D97-AF65-F5344CB8AC3E}">
@@ -7630,7 +8126,41 @@
                 <a:latin typeface="Times New Roman" panose="02020603050405020304" pitchFamily="18" charset="0"/>
                 <a:ea typeface="標楷體" panose="03000509000000000000" pitchFamily="65" charset="-120"/>
               </a:rPr>
-              <a:t>多增加一些訓練資料</a:t>
+              <a:t>多增加一些訓練</a:t>
+            </a:r>
+            <a:r>
+              <a:rPr lang="zh-TW" altLang="en-US" sz="2000" dirty="0" smtClean="0">
+                <a:latin typeface="Times New Roman" panose="02020603050405020304" pitchFamily="18" charset="0"/>
+                <a:ea typeface="標楷體" panose="03000509000000000000" pitchFamily="65" charset="-120"/>
+              </a:rPr>
+              <a:t>資料</a:t>
+            </a:r>
+            <a:endParaRPr lang="en-US" altLang="zh-TW" sz="2000" dirty="0" smtClean="0">
+              <a:latin typeface="Times New Roman" panose="02020603050405020304" pitchFamily="18" charset="0"/>
+              <a:ea typeface="標楷體" panose="03000509000000000000" pitchFamily="65" charset="-120"/>
+            </a:endParaRPr>
+          </a:p>
+          <a:p>
+            <a:pPr marL="285750" indent="-285750">
+              <a:buFont typeface="Wingdings" panose="05000000000000000000" pitchFamily="2" charset="2"/>
+              <a:buChar char="l"/>
+            </a:pPr>
+            <a:endParaRPr lang="en-US" altLang="zh-TW" sz="2000" dirty="0">
+              <a:latin typeface="Times New Roman" panose="02020603050405020304" pitchFamily="18" charset="0"/>
+              <a:ea typeface="標楷體" panose="03000509000000000000" pitchFamily="65" charset="-120"/>
+            </a:endParaRPr>
+          </a:p>
+          <a:p>
+            <a:pPr marL="285750" indent="-285750">
+              <a:buFont typeface="Wingdings" panose="05000000000000000000" pitchFamily="2" charset="2"/>
+              <a:buChar char="l"/>
+            </a:pPr>
+            <a:r>
+              <a:rPr lang="zh-TW" altLang="en-US" sz="2000" smtClean="0">
+                <a:latin typeface="Times New Roman" panose="02020603050405020304" pitchFamily="18" charset="0"/>
+                <a:ea typeface="標楷體" panose="03000509000000000000" pitchFamily="65" charset="-120"/>
+              </a:rPr>
+              <a:t>使用不同的訓練模型方法</a:t>
             </a:r>
             <a:endParaRPr lang="en-US" altLang="zh-TW" sz="2000" dirty="0" smtClean="0">
               <a:latin typeface="Times New Roman" panose="02020603050405020304" pitchFamily="18" charset="0"/>
